--- a/figures/continuum-sketch.pptx
+++ b/figures/continuum-sketch.pptx
@@ -3757,6 +3757,158 @@
           <a:chExt cx="0" cy="0"/>
         </a:xfrm>
       </p:grpSpPr>
+      <p:cxnSp>
+        <p:nvCxnSpPr>
+          <p:cNvPr id="26" name="Straight Connector 25">
+            <a:extLst>
+              <a:ext uri="{FF2B5EF4-FFF2-40B4-BE49-F238E27FC236}">
+                <a16:creationId xmlns:a16="http://schemas.microsoft.com/office/drawing/2014/main" id="{61F33556-65C1-7406-132F-CFD39E4C8F82}"/>
+              </a:ext>
+            </a:extLst>
+          </p:cNvPr>
+          <p:cNvCxnSpPr>
+            <a:cxnSpLocks/>
+          </p:cNvCxnSpPr>
+          <p:nvPr/>
+        </p:nvCxnSpPr>
+        <p:spPr>
+          <a:xfrm flipV="1">
+            <a:off x="909433" y="3419026"/>
+            <a:ext cx="0" cy="1905519"/>
+          </a:xfrm>
+          <a:prstGeom prst="line">
+            <a:avLst/>
+          </a:prstGeom>
+        </p:spPr>
+        <p:style>
+          <a:lnRef idx="2">
+            <a:schemeClr val="accent1"/>
+          </a:lnRef>
+          <a:fillRef idx="0">
+            <a:schemeClr val="accent1"/>
+          </a:fillRef>
+          <a:effectRef idx="1">
+            <a:schemeClr val="accent1"/>
+          </a:effectRef>
+          <a:fontRef idx="minor">
+            <a:schemeClr val="tx1"/>
+          </a:fontRef>
+        </p:style>
+      </p:cxnSp>
+      <p:cxnSp>
+        <p:nvCxnSpPr>
+          <p:cNvPr id="10" name="Straight Connector 9">
+            <a:extLst>
+              <a:ext uri="{FF2B5EF4-FFF2-40B4-BE49-F238E27FC236}">
+                <a16:creationId xmlns:a16="http://schemas.microsoft.com/office/drawing/2014/main" id="{1B4BD339-D163-6917-18E5-37D83767C5DF}"/>
+              </a:ext>
+            </a:extLst>
+          </p:cNvPr>
+          <p:cNvCxnSpPr>
+            <a:cxnSpLocks/>
+          </p:cNvCxnSpPr>
+          <p:nvPr/>
+        </p:nvCxnSpPr>
+        <p:spPr>
+          <a:xfrm flipV="1">
+            <a:off x="6281919" y="3780315"/>
+            <a:ext cx="0" cy="1236453"/>
+          </a:xfrm>
+          <a:prstGeom prst="line">
+            <a:avLst/>
+          </a:prstGeom>
+        </p:spPr>
+        <p:style>
+          <a:lnRef idx="2">
+            <a:schemeClr val="accent1"/>
+          </a:lnRef>
+          <a:fillRef idx="0">
+            <a:schemeClr val="accent1"/>
+          </a:fillRef>
+          <a:effectRef idx="1">
+            <a:schemeClr val="accent1"/>
+          </a:effectRef>
+          <a:fontRef idx="minor">
+            <a:schemeClr val="tx1"/>
+          </a:fontRef>
+        </p:style>
+      </p:cxnSp>
+      <p:cxnSp>
+        <p:nvCxnSpPr>
+          <p:cNvPr id="7" name="Straight Connector 6">
+            <a:extLst>
+              <a:ext uri="{FF2B5EF4-FFF2-40B4-BE49-F238E27FC236}">
+                <a16:creationId xmlns:a16="http://schemas.microsoft.com/office/drawing/2014/main" id="{27E0EFFE-2605-C36F-960F-44424DCDB7DE}"/>
+              </a:ext>
+            </a:extLst>
+          </p:cNvPr>
+          <p:cNvCxnSpPr>
+            <a:cxnSpLocks/>
+          </p:cNvCxnSpPr>
+          <p:nvPr/>
+        </p:nvCxnSpPr>
+        <p:spPr>
+          <a:xfrm flipV="1">
+            <a:off x="2706698" y="1735603"/>
+            <a:ext cx="0" cy="1336826"/>
+          </a:xfrm>
+          <a:prstGeom prst="line">
+            <a:avLst/>
+          </a:prstGeom>
+        </p:spPr>
+        <p:style>
+          <a:lnRef idx="2">
+            <a:schemeClr val="accent1"/>
+          </a:lnRef>
+          <a:fillRef idx="0">
+            <a:schemeClr val="accent1"/>
+          </a:fillRef>
+          <a:effectRef idx="1">
+            <a:schemeClr val="accent1"/>
+          </a:effectRef>
+          <a:fontRef idx="minor">
+            <a:schemeClr val="tx1"/>
+          </a:fontRef>
+        </p:style>
+      </p:cxnSp>
+      <p:cxnSp>
+        <p:nvCxnSpPr>
+          <p:cNvPr id="12" name="Straight Connector 11">
+            <a:extLst>
+              <a:ext uri="{FF2B5EF4-FFF2-40B4-BE49-F238E27FC236}">
+                <a16:creationId xmlns:a16="http://schemas.microsoft.com/office/drawing/2014/main" id="{A6612652-D621-74C8-90C8-C5F197D5426E}"/>
+              </a:ext>
+            </a:extLst>
+          </p:cNvPr>
+          <p:cNvCxnSpPr>
+            <a:cxnSpLocks/>
+          </p:cNvCxnSpPr>
+          <p:nvPr/>
+        </p:nvCxnSpPr>
+        <p:spPr>
+          <a:xfrm flipV="1">
+            <a:off x="9186326" y="1735603"/>
+            <a:ext cx="0" cy="1336826"/>
+          </a:xfrm>
+          <a:prstGeom prst="line">
+            <a:avLst/>
+          </a:prstGeom>
+        </p:spPr>
+        <p:style>
+          <a:lnRef idx="2">
+            <a:schemeClr val="accent1"/>
+          </a:lnRef>
+          <a:fillRef idx="0">
+            <a:schemeClr val="accent1"/>
+          </a:fillRef>
+          <a:effectRef idx="1">
+            <a:schemeClr val="accent1"/>
+          </a:effectRef>
+          <a:fontRef idx="minor">
+            <a:schemeClr val="tx1"/>
+          </a:fontRef>
+        </p:style>
+      </p:cxnSp>
       <p:sp>
         <p:nvSpPr>
           <p:cNvPr id="2" name="Left-Right Arrow 1">
@@ -3771,8 +3923,8 @@
         </p:nvSpPr>
         <p:spPr>
           <a:xfrm>
-            <a:off x="0" y="1923393"/>
-            <a:ext cx="12192000" cy="2921875"/>
+            <a:off x="909433" y="2576584"/>
+            <a:ext cx="11030318" cy="1704831"/>
           </a:xfrm>
           <a:prstGeom prst="leftRightArrow">
             <a:avLst>
@@ -3820,8 +3972,8 @@
         </p:nvSpPr>
         <p:spPr>
           <a:xfrm>
-            <a:off x="198702" y="3072429"/>
-            <a:ext cx="2050511" cy="707886"/>
+            <a:off x="1130939" y="3108464"/>
+            <a:ext cx="2050511" cy="677108"/>
           </a:xfrm>
           <a:prstGeom prst="rect">
             <a:avLst/>
@@ -3836,7 +3988,7 @@
           <a:p>
             <a:pPr algn="ctr"/>
             <a:r>
-              <a:rPr lang="en-US" sz="2000" b="1" dirty="0">
+              <a:rPr lang="en-US" sz="1900" b="1" dirty="0">
                 <a:solidFill>
                   <a:schemeClr val="bg1"/>
                 </a:solidFill>
@@ -3860,8 +4012,8 @@
         </p:nvSpPr>
         <p:spPr>
           <a:xfrm>
-            <a:off x="9942786" y="2918540"/>
-            <a:ext cx="2050511" cy="1015663"/>
+            <a:off x="8775441" y="3099038"/>
+            <a:ext cx="2969858" cy="677108"/>
           </a:xfrm>
           <a:prstGeom prst="rect">
             <a:avLst/>
@@ -3876,7 +4028,7 @@
           <a:p>
             <a:pPr algn="ctr"/>
             <a:r>
-              <a:rPr lang="en-US" sz="2000" b="1" dirty="0">
+              <a:rPr lang="en-US" sz="1900" b="1" dirty="0">
                 <a:solidFill>
                   <a:schemeClr val="bg1"/>
                 </a:solidFill>
@@ -3886,42 +4038,6 @@
           </a:p>
         </p:txBody>
       </p:sp>
-      <p:cxnSp>
-        <p:nvCxnSpPr>
-          <p:cNvPr id="7" name="Straight Connector 6">
-            <a:extLst>
-              <a:ext uri="{FF2B5EF4-FFF2-40B4-BE49-F238E27FC236}">
-                <a16:creationId xmlns:a16="http://schemas.microsoft.com/office/drawing/2014/main" id="{27E0EFFE-2605-C36F-960F-44424DCDB7DE}"/>
-              </a:ext>
-            </a:extLst>
-          </p:cNvPr>
-          <p:cNvCxnSpPr/>
-          <p:nvPr/>
-        </p:nvCxnSpPr>
-        <p:spPr>
-          <a:xfrm flipV="1">
-            <a:off x="2328325" y="1735603"/>
-            <a:ext cx="0" cy="1082565"/>
-          </a:xfrm>
-          <a:prstGeom prst="line">
-            <a:avLst/>
-          </a:prstGeom>
-        </p:spPr>
-        <p:style>
-          <a:lnRef idx="2">
-            <a:schemeClr val="accent1"/>
-          </a:lnRef>
-          <a:fillRef idx="0">
-            <a:schemeClr val="accent1"/>
-          </a:fillRef>
-          <a:effectRef idx="1">
-            <a:schemeClr val="accent1"/>
-          </a:effectRef>
-          <a:fontRef idx="minor">
-            <a:schemeClr val="tx1"/>
-          </a:fontRef>
-        </p:style>
-      </p:cxnSp>
       <mc:AlternateContent xmlns:mc="http://schemas.openxmlformats.org/markup-compatibility/2006">
         <mc:Choice xmlns:a14="http://schemas.microsoft.com/office/drawing/2010/main" Requires="a14">
           <p:sp>
@@ -3938,7 +4054,7 @@
             </p:nvSpPr>
             <p:spPr>
               <a:xfrm>
-                <a:off x="531060" y="319831"/>
+                <a:off x="909433" y="319831"/>
                 <a:ext cx="3682593" cy="1415772"/>
               </a:xfrm>
               <a:prstGeom prst="rect">
@@ -4108,7 +4224,7 @@
             </p:nvSpPr>
             <p:spPr>
               <a:xfrm>
-                <a:off x="531060" y="319831"/>
+                <a:off x="909433" y="319831"/>
                 <a:ext cx="3682593" cy="1415772"/>
               </a:xfrm>
               <a:prstGeom prst="rect">
@@ -4141,42 +4257,6 @@
           </p:sp>
         </mc:Fallback>
       </mc:AlternateContent>
-      <p:cxnSp>
-        <p:nvCxnSpPr>
-          <p:cNvPr id="10" name="Straight Connector 9">
-            <a:extLst>
-              <a:ext uri="{FF2B5EF4-FFF2-40B4-BE49-F238E27FC236}">
-                <a16:creationId xmlns:a16="http://schemas.microsoft.com/office/drawing/2014/main" id="{1B4BD339-D163-6917-18E5-37D83767C5DF}"/>
-              </a:ext>
-            </a:extLst>
-          </p:cNvPr>
-          <p:cNvCxnSpPr/>
-          <p:nvPr/>
-        </p:nvCxnSpPr>
-        <p:spPr>
-          <a:xfrm flipV="1">
-            <a:off x="5903546" y="3934203"/>
-            <a:ext cx="0" cy="1082565"/>
-          </a:xfrm>
-          <a:prstGeom prst="line">
-            <a:avLst/>
-          </a:prstGeom>
-        </p:spPr>
-        <p:style>
-          <a:lnRef idx="2">
-            <a:schemeClr val="accent1"/>
-          </a:lnRef>
-          <a:fillRef idx="0">
-            <a:schemeClr val="accent1"/>
-          </a:fillRef>
-          <a:effectRef idx="1">
-            <a:schemeClr val="accent1"/>
-          </a:effectRef>
-          <a:fontRef idx="minor">
-            <a:schemeClr val="tx1"/>
-          </a:fontRef>
-        </p:style>
-      </p:cxnSp>
       <mc:AlternateContent xmlns:mc="http://schemas.openxmlformats.org/markup-compatibility/2006">
         <mc:Choice xmlns:a14="http://schemas.microsoft.com/office/drawing/2010/main" Requires="a14">
           <p:sp>
@@ -4193,7 +4273,7 @@
             </p:nvSpPr>
             <p:spPr>
               <a:xfrm>
-                <a:off x="4006000" y="5016768"/>
+                <a:off x="4384373" y="5016768"/>
                 <a:ext cx="3795092" cy="1631216"/>
               </a:xfrm>
               <a:prstGeom prst="rect">
@@ -4364,7 +4444,7 @@
             </p:nvSpPr>
             <p:spPr>
               <a:xfrm>
-                <a:off x="4006000" y="5016768"/>
+                <a:off x="4384373" y="5016768"/>
                 <a:ext cx="3795092" cy="1631216"/>
               </a:xfrm>
               <a:prstGeom prst="rect">
@@ -4397,42 +4477,6 @@
           </p:sp>
         </mc:Fallback>
       </mc:AlternateContent>
-      <p:cxnSp>
-        <p:nvCxnSpPr>
-          <p:cNvPr id="12" name="Straight Connector 11">
-            <a:extLst>
-              <a:ext uri="{FF2B5EF4-FFF2-40B4-BE49-F238E27FC236}">
-                <a16:creationId xmlns:a16="http://schemas.microsoft.com/office/drawing/2014/main" id="{A6612652-D621-74C8-90C8-C5F197D5426E}"/>
-              </a:ext>
-            </a:extLst>
-          </p:cNvPr>
-          <p:cNvCxnSpPr/>
-          <p:nvPr/>
-        </p:nvCxnSpPr>
-        <p:spPr>
-          <a:xfrm flipV="1">
-            <a:off x="8807953" y="1735603"/>
-            <a:ext cx="0" cy="1082565"/>
-          </a:xfrm>
-          <a:prstGeom prst="line">
-            <a:avLst/>
-          </a:prstGeom>
-        </p:spPr>
-        <p:style>
-          <a:lnRef idx="2">
-            <a:schemeClr val="accent1"/>
-          </a:lnRef>
-          <a:fillRef idx="0">
-            <a:schemeClr val="accent1"/>
-          </a:fillRef>
-          <a:effectRef idx="1">
-            <a:schemeClr val="accent1"/>
-          </a:effectRef>
-          <a:fontRef idx="minor">
-            <a:schemeClr val="tx1"/>
-          </a:fontRef>
-        </p:style>
-      </p:cxnSp>
       <mc:AlternateContent xmlns:mc="http://schemas.openxmlformats.org/markup-compatibility/2006">
         <mc:Choice xmlns:a14="http://schemas.microsoft.com/office/drawing/2010/main" Requires="a14">
           <p:sp>
@@ -4449,7 +4493,7 @@
             </p:nvSpPr>
             <p:spPr>
               <a:xfrm>
-                <a:off x="7010688" y="319831"/>
+                <a:off x="7389061" y="319831"/>
                 <a:ext cx="3682593" cy="1846659"/>
               </a:xfrm>
               <a:prstGeom prst="rect">
@@ -4593,7 +4637,7 @@
             </p:nvSpPr>
             <p:spPr>
               <a:xfrm>
-                <a:off x="7010688" y="319831"/>
+                <a:off x="7389061" y="319831"/>
                 <a:ext cx="3682593" cy="1846659"/>
               </a:xfrm>
               <a:prstGeom prst="rect">
@@ -4640,8 +4684,8 @@
         </p:nvSpPr>
         <p:spPr>
           <a:xfrm>
-            <a:off x="409903" y="5307724"/>
-            <a:ext cx="2060028" cy="588579"/>
+            <a:off x="1492185" y="4267356"/>
+            <a:ext cx="2060028" cy="420413"/>
           </a:xfrm>
           <a:prstGeom prst="leftArrow">
             <a:avLst>
@@ -4697,8 +4741,8 @@
         </p:nvSpPr>
         <p:spPr>
           <a:xfrm>
-            <a:off x="741263" y="5816801"/>
-            <a:ext cx="1587062" cy="646331"/>
+            <a:off x="1492185" y="4631632"/>
+            <a:ext cx="2060028" cy="646331"/>
           </a:xfrm>
           <a:prstGeom prst="rect">
             <a:avLst/>
@@ -4721,10 +4765,46 @@
       </p:sp>
       <p:sp>
         <p:nvSpPr>
-          <p:cNvPr id="16" name="Left Arrow 15">
-            <a:extLst>
-              <a:ext uri="{FF2B5EF4-FFF2-40B4-BE49-F238E27FC236}">
-                <a16:creationId xmlns:a16="http://schemas.microsoft.com/office/drawing/2014/main" id="{ED9F8848-3368-FF38-C544-BAC1F73A165A}"/>
+          <p:cNvPr id="17" name="TextBox 16">
+            <a:extLst>
+              <a:ext uri="{FF2B5EF4-FFF2-40B4-BE49-F238E27FC236}">
+                <a16:creationId xmlns:a16="http://schemas.microsoft.com/office/drawing/2014/main" id="{81CA8B18-14AD-956C-6861-1D7038F9E422}"/>
+              </a:ext>
+            </a:extLst>
+          </p:cNvPr>
+          <p:cNvSpPr txBox="1"/>
+          <p:nvPr/>
+        </p:nvSpPr>
+        <p:spPr>
+          <a:xfrm>
+            <a:off x="9230357" y="4491035"/>
+            <a:ext cx="2060027" cy="369332"/>
+          </a:xfrm>
+          <a:prstGeom prst="rect">
+            <a:avLst/>
+          </a:prstGeom>
+          <a:noFill/>
+        </p:spPr>
+        <p:txBody>
+          <a:bodyPr wrap="square" rtlCol="0">
+            <a:spAutoFit/>
+          </a:bodyPr>
+          <a:lstStyle/>
+          <a:p>
+            <a:pPr algn="ctr"/>
+            <a:r>
+              <a:rPr lang="en-US" i="1" dirty="0"/>
+              <a:t>Flexibility</a:t>
+            </a:r>
+          </a:p>
+        </p:txBody>
+      </p:sp>
+      <p:sp>
+        <p:nvSpPr>
+          <p:cNvPr id="18" name="Left Arrow 17">
+            <a:extLst>
+              <a:ext uri="{FF2B5EF4-FFF2-40B4-BE49-F238E27FC236}">
+                <a16:creationId xmlns:a16="http://schemas.microsoft.com/office/drawing/2014/main" id="{0C89025D-C96F-9C53-0B7B-F3B72591A282}"/>
               </a:ext>
             </a:extLst>
           </p:cNvPr>
@@ -4733,8 +4813,8 @@
         </p:nvSpPr>
         <p:spPr>
           <a:xfrm rot="10800000">
-            <a:off x="9663267" y="5312304"/>
-            <a:ext cx="2060028" cy="588579"/>
+            <a:off x="9388345" y="4188334"/>
+            <a:ext cx="2060028" cy="420413"/>
           </a:xfrm>
           <a:prstGeom prst="leftArrow">
             <a:avLst>
@@ -4778,10 +4858,10 @@
       </p:sp>
       <p:sp>
         <p:nvSpPr>
-          <p:cNvPr id="17" name="TextBox 16">
-            <a:extLst>
-              <a:ext uri="{FF2B5EF4-FFF2-40B4-BE49-F238E27FC236}">
-                <a16:creationId xmlns:a16="http://schemas.microsoft.com/office/drawing/2014/main" id="{81CA8B18-14AD-956C-6861-1D7038F9E422}"/>
+          <p:cNvPr id="27" name="TextBox 26">
+            <a:extLst>
+              <a:ext uri="{FF2B5EF4-FFF2-40B4-BE49-F238E27FC236}">
+                <a16:creationId xmlns:a16="http://schemas.microsoft.com/office/drawing/2014/main" id="{C950A83D-9D61-599D-D1F9-1B15796C113D}"/>
               </a:ext>
             </a:extLst>
           </p:cNvPr>
@@ -4790,13 +4870,20 @@
         </p:nvSpPr>
         <p:spPr>
           <a:xfrm>
-            <a:off x="9863675" y="5769076"/>
-            <a:ext cx="1587062" cy="646331"/>
+            <a:off x="82876" y="5187357"/>
+            <a:ext cx="1903579" cy="1569660"/>
           </a:xfrm>
           <a:prstGeom prst="rect">
             <a:avLst/>
           </a:prstGeom>
-          <a:noFill/>
+          <a:solidFill>
+            <a:schemeClr val="bg1"/>
+          </a:solidFill>
+          <a:ln>
+            <a:solidFill>
+              <a:schemeClr val="accent1"/>
+            </a:solidFill>
+          </a:ln>
         </p:spPr>
         <p:txBody>
           <a:bodyPr wrap="square" rtlCol="0">
@@ -4806,9 +4893,10 @@
           <a:p>
             <a:pPr algn="ctr"/>
             <a:r>
-              <a:rPr lang="en-US" i="1" dirty="0"/>
-              <a:t>Greater Flexibility</a:t>
-            </a:r>
+              <a:rPr lang="en-US" sz="1600" b="1" dirty="0"/>
+              <a:t>Parametric Transformations with Structure and Parameters Completely Specified</a:t>
+            </a:r>
+            <a:endParaRPr lang="en-US" sz="1400" dirty="0"/>
           </a:p>
         </p:txBody>
       </p:sp>

--- a/figures/continuum-sketch.pptx
+++ b/figures/continuum-sketch.pptx
@@ -107,6 +107,11 @@
       </a:defRPr>
     </a:lvl9pPr>
   </p:defaultTextStyle>
+  <p:extLst>
+    <p:ext uri="{EFAFB233-063F-42B5-8137-9DF3F51BA10A}">
+      <p15:sldGuideLst xmlns:p15="http://schemas.microsoft.com/office/powerpoint/2012/main"/>
+    </p:ext>
+  </p:extLst>
 </p:presentation>
 </file>
 
@@ -4038,8 +4043,8 @@
           </a:p>
         </p:txBody>
       </p:sp>
-      <mc:AlternateContent xmlns:mc="http://schemas.openxmlformats.org/markup-compatibility/2006">
-        <mc:Choice xmlns:a14="http://schemas.microsoft.com/office/drawing/2010/main" Requires="a14">
+      <mc:AlternateContent xmlns:mc="http://schemas.openxmlformats.org/markup-compatibility/2006" xmlns:a14="http://schemas.microsoft.com/office/drawing/2010/main">
+        <mc:Choice Requires="a14">
           <p:sp>
             <p:nvSpPr>
               <p:cNvPr id="9" name="TextBox 8">
@@ -4207,7 +4212,7 @@
             </p:txBody>
           </p:sp>
         </mc:Choice>
-        <mc:Fallback>
+        <mc:Fallback xmlns="">
           <p:sp>
             <p:nvSpPr>
               <p:cNvPr id="9" name="TextBox 8">
@@ -4257,8 +4262,8 @@
           </p:sp>
         </mc:Fallback>
       </mc:AlternateContent>
-      <mc:AlternateContent xmlns:mc="http://schemas.openxmlformats.org/markup-compatibility/2006">
-        <mc:Choice xmlns:a14="http://schemas.microsoft.com/office/drawing/2010/main" Requires="a14">
+      <mc:AlternateContent xmlns:mc="http://schemas.openxmlformats.org/markup-compatibility/2006" xmlns:a14="http://schemas.microsoft.com/office/drawing/2010/main">
+        <mc:Choice Requires="a14">
           <p:sp>
             <p:nvSpPr>
               <p:cNvPr id="11" name="TextBox 10">
@@ -4427,7 +4432,7 @@
             </p:txBody>
           </p:sp>
         </mc:Choice>
-        <mc:Fallback>
+        <mc:Fallback xmlns="">
           <p:sp>
             <p:nvSpPr>
               <p:cNvPr id="11" name="TextBox 10">
@@ -4477,8 +4482,8 @@
           </p:sp>
         </mc:Fallback>
       </mc:AlternateContent>
-      <mc:AlternateContent xmlns:mc="http://schemas.openxmlformats.org/markup-compatibility/2006">
-        <mc:Choice xmlns:a14="http://schemas.microsoft.com/office/drawing/2010/main" Requires="a14">
+      <mc:AlternateContent xmlns:mc="http://schemas.openxmlformats.org/markup-compatibility/2006" xmlns:a14="http://schemas.microsoft.com/office/drawing/2010/main">
+        <mc:Choice Requires="a14">
           <p:sp>
             <p:nvSpPr>
               <p:cNvPr id="13" name="TextBox 12">
@@ -4620,7 +4625,7 @@
             </p:txBody>
           </p:sp>
         </mc:Choice>
-        <mc:Fallback>
+        <mc:Fallback xmlns="">
           <p:sp>
             <p:nvSpPr>
               <p:cNvPr id="13" name="TextBox 12">
@@ -4777,8 +4782,8 @@
         </p:nvSpPr>
         <p:spPr>
           <a:xfrm>
-            <a:off x="9230357" y="4491035"/>
-            <a:ext cx="2060027" cy="369332"/>
+            <a:off x="9382389" y="4491035"/>
+            <a:ext cx="2060023" cy="369332"/>
           </a:xfrm>
           <a:prstGeom prst="rect">
             <a:avLst/>
@@ -4794,7 +4799,7 @@
             <a:pPr algn="ctr"/>
             <a:r>
               <a:rPr lang="en-US" i="1" dirty="0"/>
-              <a:t>Flexibility</a:t>
+              <a:t>More Flexibility</a:t>
             </a:r>
           </a:p>
         </p:txBody>
